--- a/DALE25-W39-DSTAPI.pptx
+++ b/DALE25-W39-DSTAPI.pptx
@@ -14,9 +14,10 @@
     <p:sldId id="279" r:id="rId8"/>
     <p:sldId id="280" r:id="rId9"/>
     <p:sldId id="292" r:id="rId10"/>
-    <p:sldId id="290" r:id="rId11"/>
-    <p:sldId id="291" r:id="rId12"/>
-    <p:sldId id="430" r:id="rId13"/>
+    <p:sldId id="291" r:id="rId11"/>
+    <p:sldId id="431" r:id="rId12"/>
+    <p:sldId id="432" r:id="rId13"/>
+    <p:sldId id="430" r:id="rId14"/>
   </p:sldIdLst>
   <p:sldSz cx="12192000" cy="6858000"/>
   <p:notesSz cx="6858000" cy="9144000"/>
@@ -3425,169 +3426,6 @@
           <a:chExt cx="0" cy="0"/>
         </a:xfrm>
       </p:grpSpPr>
-      <p:sp>
-        <p:nvSpPr>
-          <p:cNvPr id="2" name="Titel 1">
-            <a:extLst>
-              <a:ext uri="{FF2B5EF4-FFF2-40B4-BE49-F238E27FC236}">
-                <a16:creationId xmlns:a16="http://schemas.microsoft.com/office/drawing/2014/main" id="{C6544159-F0BB-AAB2-8C6E-C25D4290F6A7}"/>
-              </a:ext>
-            </a:extLst>
-          </p:cNvPr>
-          <p:cNvSpPr>
-            <a:spLocks noGrp="1"/>
-          </p:cNvSpPr>
-          <p:nvPr>
-            <p:ph type="title"/>
-          </p:nvPr>
-        </p:nvSpPr>
-        <p:spPr/>
-        <p:txBody>
-          <a:bodyPr>
-            <a:normAutofit/>
-          </a:bodyPr>
-          <a:lstStyle/>
-          <a:p>
-            <a:r>
-              <a:rPr lang="da-DK" sz="4800"/>
-              <a:t>Kvinder fra andre lande </a:t>
-            </a:r>
-          </a:p>
-        </p:txBody>
-      </p:sp>
-      <p:grpSp>
-        <p:nvGrpSpPr>
-          <p:cNvPr id="7" name="Gruppe 6">
-            <a:extLst>
-              <a:ext uri="{FF2B5EF4-FFF2-40B4-BE49-F238E27FC236}">
-                <a16:creationId xmlns:a16="http://schemas.microsoft.com/office/drawing/2014/main" id="{37417429-6DC0-471B-6782-326AFCD14794}"/>
-              </a:ext>
-            </a:extLst>
-          </p:cNvPr>
-          <p:cNvGrpSpPr/>
-          <p:nvPr/>
-        </p:nvGrpSpPr>
-        <p:grpSpPr>
-          <a:xfrm>
-            <a:off x="838200" y="1690688"/>
-            <a:ext cx="7772400" cy="4641187"/>
-            <a:chOff x="838200" y="1690688"/>
-            <a:chExt cx="7772400" cy="4641187"/>
-          </a:xfrm>
-        </p:grpSpPr>
-        <p:pic>
-          <p:nvPicPr>
-            <p:cNvPr id="5" name="Billede 4" descr="Et billede, der indeholder tekst, skærmbillede, software, Webside&#10;&#10;Automatisk genereret beskrivelse">
-              <a:extLst>
-                <a:ext uri="{FF2B5EF4-FFF2-40B4-BE49-F238E27FC236}">
-                  <a16:creationId xmlns:a16="http://schemas.microsoft.com/office/drawing/2014/main" id="{DAF1A1AA-ADE9-E2C1-F029-31A1893CB3FC}"/>
-                </a:ext>
-              </a:extLst>
-            </p:cNvPr>
-            <p:cNvPicPr>
-              <a:picLocks noChangeAspect="1"/>
-            </p:cNvPicPr>
-            <p:nvPr/>
-          </p:nvPicPr>
-          <p:blipFill>
-            <a:blip r:embed="rId2"/>
-            <a:stretch>
-              <a:fillRect/>
-            </a:stretch>
-          </p:blipFill>
-          <p:spPr>
-            <a:xfrm>
-              <a:off x="838200" y="1690688"/>
-              <a:ext cx="7772400" cy="4641187"/>
-            </a:xfrm>
-            <a:prstGeom prst="rect">
-              <a:avLst/>
-            </a:prstGeom>
-          </p:spPr>
-        </p:pic>
-        <p:sp>
-          <p:nvSpPr>
-            <p:cNvPr id="6" name="Rektangel 5">
-              <a:extLst>
-                <a:ext uri="{FF2B5EF4-FFF2-40B4-BE49-F238E27FC236}">
-                  <a16:creationId xmlns:a16="http://schemas.microsoft.com/office/drawing/2014/main" id="{C7C6764D-C0B0-7CBC-0A2B-88AF6890E802}"/>
-                </a:ext>
-              </a:extLst>
-            </p:cNvPr>
-            <p:cNvSpPr/>
-            <p:nvPr/>
-          </p:nvSpPr>
-          <p:spPr>
-            <a:xfrm>
-              <a:off x="961767" y="1690688"/>
-              <a:ext cx="4363995" cy="953658"/>
-            </a:xfrm>
-            <a:prstGeom prst="rect">
-              <a:avLst/>
-            </a:prstGeom>
-            <a:solidFill>
-              <a:schemeClr val="bg1"/>
-            </a:solidFill>
-            <a:ln>
-              <a:noFill/>
-            </a:ln>
-          </p:spPr>
-          <p:style>
-            <a:lnRef idx="2">
-              <a:schemeClr val="accent1">
-                <a:shade val="15000"/>
-              </a:schemeClr>
-            </a:lnRef>
-            <a:fillRef idx="1">
-              <a:schemeClr val="accent1"/>
-            </a:fillRef>
-            <a:effectRef idx="0">
-              <a:schemeClr val="accent1"/>
-            </a:effectRef>
-            <a:fontRef idx="minor">
-              <a:schemeClr val="lt1"/>
-            </a:fontRef>
-          </p:style>
-          <p:txBody>
-            <a:bodyPr rtlCol="0" anchor="ctr"/>
-            <a:lstStyle/>
-            <a:p>
-              <a:pPr algn="ctr"/>
-              <a:endParaRPr lang="da-DK"/>
-            </a:p>
-          </p:txBody>
-        </p:sp>
-      </p:grpSp>
-    </p:spTree>
-    <p:extLst>
-      <p:ext uri="{BB962C8B-B14F-4D97-AF65-F5344CB8AC3E}">
-        <p14:creationId xmlns:p14="http://schemas.microsoft.com/office/powerpoint/2010/main" val="3560427176"/>
-      </p:ext>
-    </p:extLst>
-  </p:cSld>
-  <p:clrMapOvr>
-    <a:masterClrMapping/>
-  </p:clrMapOvr>
-</p:sld>
-</file>
-
-<file path=ppt/slides/slide11.xml><?xml version="1.0" encoding="utf-8"?>
-<p:sld xmlns:a="http://schemas.openxmlformats.org/drawingml/2006/main" xmlns:r="http://schemas.openxmlformats.org/officeDocument/2006/relationships" xmlns:p="http://schemas.openxmlformats.org/presentationml/2006/main">
-  <p:cSld>
-    <p:spTree>
-      <p:nvGrpSpPr>
-        <p:cNvPr id="1" name=""/>
-        <p:cNvGrpSpPr/>
-        <p:nvPr/>
-      </p:nvGrpSpPr>
-      <p:grpSpPr>
-        <a:xfrm>
-          <a:off x="0" y="0"/>
-          <a:ext cx="0" cy="0"/>
-          <a:chOff x="0" y="0"/>
-          <a:chExt cx="0" cy="0"/>
-        </a:xfrm>
-      </p:grpSpPr>
       <p:pic>
         <p:nvPicPr>
           <p:cNvPr id="3" name="Billede 2" descr="Et billede, der indeholder tekst, diagram, skærmbillede, Kurve&#10;&#10;Automatisk genereret beskrivelse">
@@ -3631,7 +3469,312 @@
 </p:sld>
 </file>
 
+<file path=ppt/slides/slide11.xml><?xml version="1.0" encoding="utf-8"?>
+<p:sld xmlns:a="http://schemas.openxmlformats.org/drawingml/2006/main" xmlns:r="http://schemas.openxmlformats.org/officeDocument/2006/relationships" xmlns:p="http://schemas.openxmlformats.org/presentationml/2006/main">
+  <p:cSld>
+    <p:spTree>
+      <p:nvGrpSpPr>
+        <p:cNvPr id="1" name="">
+          <a:extLst>
+            <a:ext uri="{FF2B5EF4-FFF2-40B4-BE49-F238E27FC236}">
+              <a16:creationId xmlns:a16="http://schemas.microsoft.com/office/drawing/2014/main" id="{4C5DF74A-1252-CEF4-8228-CBD8EBF98FE6}"/>
+            </a:ext>
+          </a:extLst>
+        </p:cNvPr>
+        <p:cNvGrpSpPr/>
+        <p:nvPr/>
+      </p:nvGrpSpPr>
+      <p:grpSpPr>
+        <a:xfrm>
+          <a:off x="0" y="0"/>
+          <a:ext cx="0" cy="0"/>
+          <a:chOff x="0" y="0"/>
+          <a:chExt cx="0" cy="0"/>
+        </a:xfrm>
+      </p:grpSpPr>
+      <p:pic>
+        <p:nvPicPr>
+          <p:cNvPr id="7" name="Billede 6" descr="Et billede, der indeholder tekst, skærmbillede, Font/skrifttype&#10;&#10;AI-genereret indhold kan være ukorrekt.">
+            <a:extLst>
+              <a:ext uri="{FF2B5EF4-FFF2-40B4-BE49-F238E27FC236}">
+                <a16:creationId xmlns:a16="http://schemas.microsoft.com/office/drawing/2014/main" id="{3E9A8EE6-0172-6FC4-17A3-976B5BB70DFB}"/>
+              </a:ext>
+            </a:extLst>
+          </p:cNvPr>
+          <p:cNvPicPr>
+            <a:picLocks noChangeAspect="1"/>
+          </p:cNvPicPr>
+          <p:nvPr/>
+        </p:nvPicPr>
+        <p:blipFill>
+          <a:blip r:embed="rId2"/>
+          <a:stretch>
+            <a:fillRect/>
+          </a:stretch>
+        </p:blipFill>
+        <p:spPr>
+          <a:xfrm>
+            <a:off x="2198803" y="605387"/>
+            <a:ext cx="9134235" cy="4101084"/>
+          </a:xfrm>
+          <a:prstGeom prst="rect">
+            <a:avLst/>
+          </a:prstGeom>
+        </p:spPr>
+      </p:pic>
+      <p:sp>
+        <p:nvSpPr>
+          <p:cNvPr id="2" name="Tekstfelt 1">
+            <a:extLst>
+              <a:ext uri="{FF2B5EF4-FFF2-40B4-BE49-F238E27FC236}">
+                <a16:creationId xmlns:a16="http://schemas.microsoft.com/office/drawing/2014/main" id="{E4053988-50B6-68D9-852C-9732A4DBBB22}"/>
+              </a:ext>
+            </a:extLst>
+          </p:cNvPr>
+          <p:cNvSpPr txBox="1"/>
+          <p:nvPr/>
+        </p:nvSpPr>
+        <p:spPr>
+          <a:xfrm>
+            <a:off x="858962" y="1933352"/>
+            <a:ext cx="4099303" cy="2031325"/>
+          </a:xfrm>
+          <a:prstGeom prst="rect">
+            <a:avLst/>
+          </a:prstGeom>
+          <a:noFill/>
+          <a:ln w="22225">
+            <a:solidFill>
+              <a:schemeClr val="accent1"/>
+            </a:solidFill>
+          </a:ln>
+        </p:spPr>
+        <p:txBody>
+          <a:bodyPr wrap="square" rtlCol="0">
+            <a:spAutoFit/>
+          </a:bodyPr>
+          <a:lstStyle/>
+          <a:p>
+            <a:r>
+              <a:rPr lang="da-DK"/>
+              <a:t>Problemstilling – Verificer og illustrer artiklens budskab mht børn. </a:t>
+            </a:r>
+          </a:p>
+          <a:p>
+            <a:pPr marL="342900" indent="-342900">
+              <a:buFont typeface="+mj-lt"/>
+              <a:buAutoNum type="arabicPeriod"/>
+            </a:pPr>
+            <a:r>
+              <a:rPr lang="da-DK"/>
+              <a:t>Find en relevant tabel hos DST</a:t>
+            </a:r>
+          </a:p>
+          <a:p>
+            <a:pPr marL="342900" indent="-342900">
+              <a:buFont typeface="+mj-lt"/>
+              <a:buAutoNum type="arabicPeriod"/>
+            </a:pPr>
+            <a:r>
+              <a:rPr lang="da-DK"/>
+              <a:t>Find metadata</a:t>
+            </a:r>
+          </a:p>
+          <a:p>
+            <a:pPr marL="342900" indent="-342900">
+              <a:buFont typeface="+mj-lt"/>
+              <a:buAutoNum type="arabicPeriod"/>
+            </a:pPr>
+            <a:r>
+              <a:rPr lang="da-DK"/>
+              <a:t>Lav evt filter til relevante data</a:t>
+            </a:r>
+          </a:p>
+          <a:p>
+            <a:pPr marL="342900" indent="-342900">
+              <a:buFont typeface="+mj-lt"/>
+              <a:buAutoNum type="arabicPeriod"/>
+            </a:pPr>
+            <a:r>
+              <a:rPr lang="da-DK"/>
+              <a:t>Hent data </a:t>
+            </a:r>
+          </a:p>
+          <a:p>
+            <a:pPr marL="342900" indent="-342900">
+              <a:buFont typeface="+mj-lt"/>
+              <a:buAutoNum type="arabicPeriod"/>
+            </a:pPr>
+            <a:r>
+              <a:rPr lang="da-DK"/>
+              <a:t>Lav relevante grafer</a:t>
+            </a:r>
+          </a:p>
+        </p:txBody>
+      </p:sp>
+    </p:spTree>
+    <p:extLst>
+      <p:ext uri="{BB962C8B-B14F-4D97-AF65-F5344CB8AC3E}">
+        <p14:creationId xmlns:p14="http://schemas.microsoft.com/office/powerpoint/2010/main" val="3749576519"/>
+      </p:ext>
+    </p:extLst>
+  </p:cSld>
+  <p:clrMapOvr>
+    <a:masterClrMapping/>
+  </p:clrMapOvr>
+</p:sld>
+</file>
+
 <file path=ppt/slides/slide12.xml><?xml version="1.0" encoding="utf-8"?>
+<p:sld xmlns:a="http://schemas.openxmlformats.org/drawingml/2006/main" xmlns:r="http://schemas.openxmlformats.org/officeDocument/2006/relationships" xmlns:p="http://schemas.openxmlformats.org/presentationml/2006/main">
+  <p:cSld>
+    <p:spTree>
+      <p:nvGrpSpPr>
+        <p:cNvPr id="1" name="">
+          <a:extLst>
+            <a:ext uri="{FF2B5EF4-FFF2-40B4-BE49-F238E27FC236}">
+              <a16:creationId xmlns:a16="http://schemas.microsoft.com/office/drawing/2014/main" id="{E41C0B7E-D1FB-7900-DAFC-DB3CD12983A8}"/>
+            </a:ext>
+          </a:extLst>
+        </p:cNvPr>
+        <p:cNvGrpSpPr/>
+        <p:nvPr/>
+      </p:nvGrpSpPr>
+      <p:grpSpPr>
+        <a:xfrm>
+          <a:off x="0" y="0"/>
+          <a:ext cx="0" cy="0"/>
+          <a:chOff x="0" y="0"/>
+          <a:chExt cx="0" cy="0"/>
+        </a:xfrm>
+      </p:grpSpPr>
+      <p:pic>
+        <p:nvPicPr>
+          <p:cNvPr id="6" name="Billede 5" descr="Et billede, der indeholder tekst, skærmbillede, Kurve, diagram&#10;&#10;AI-genereret indhold kan være ukorrekt.">
+            <a:extLst>
+              <a:ext uri="{FF2B5EF4-FFF2-40B4-BE49-F238E27FC236}">
+                <a16:creationId xmlns:a16="http://schemas.microsoft.com/office/drawing/2014/main" id="{1923E7BD-E7D0-6FD1-A599-4BF0FC7E0BEC}"/>
+              </a:ext>
+            </a:extLst>
+          </p:cNvPr>
+          <p:cNvPicPr>
+            <a:picLocks noChangeAspect="1"/>
+          </p:cNvPicPr>
+          <p:nvPr/>
+        </p:nvPicPr>
+        <p:blipFill>
+          <a:blip r:embed="rId2"/>
+          <a:stretch>
+            <a:fillRect/>
+          </a:stretch>
+        </p:blipFill>
+        <p:spPr>
+          <a:xfrm>
+            <a:off x="174812" y="168368"/>
+            <a:ext cx="7772400" cy="4181475"/>
+          </a:xfrm>
+          <a:prstGeom prst="rect">
+            <a:avLst/>
+          </a:prstGeom>
+        </p:spPr>
+      </p:pic>
+      <p:sp>
+        <p:nvSpPr>
+          <p:cNvPr id="7" name="Tekstfelt 6">
+            <a:extLst>
+              <a:ext uri="{FF2B5EF4-FFF2-40B4-BE49-F238E27FC236}">
+                <a16:creationId xmlns:a16="http://schemas.microsoft.com/office/drawing/2014/main" id="{7A6AA461-AC66-C845-27F2-F068AA20D422}"/>
+              </a:ext>
+            </a:extLst>
+          </p:cNvPr>
+          <p:cNvSpPr txBox="1"/>
+          <p:nvPr/>
+        </p:nvSpPr>
+        <p:spPr>
+          <a:xfrm>
+            <a:off x="8296836" y="1075764"/>
+            <a:ext cx="3501390" cy="2031325"/>
+          </a:xfrm>
+          <a:prstGeom prst="rect">
+            <a:avLst/>
+          </a:prstGeom>
+          <a:noFill/>
+        </p:spPr>
+        <p:txBody>
+          <a:bodyPr wrap="square" rtlCol="0">
+            <a:spAutoFit/>
+          </a:bodyPr>
+          <a:lstStyle/>
+          <a:p>
+            <a:r>
+              <a:rPr lang="da-DK"/>
+              <a:t>Her er et forslag til en graf.</a:t>
+            </a:r>
+          </a:p>
+          <a:p>
+            <a:r>
+              <a:rPr lang="da-DK"/>
+              <a:t>Reproducer grafen og diskuter hvad den viser og overvej om landene kan puljes sammen (tjek MENAP). </a:t>
+            </a:r>
+          </a:p>
+          <a:p>
+            <a:r>
+              <a:rPr lang="da-DK"/>
+              <a:t>Hvad kan være forklaringen med Syrien?</a:t>
+            </a:r>
+          </a:p>
+          <a:p>
+            <a:r>
+              <a:rPr lang="da-DK"/>
+              <a:t>Reproducer tabellen nedenfor</a:t>
+            </a:r>
+          </a:p>
+        </p:txBody>
+      </p:sp>
+      <p:pic>
+        <p:nvPicPr>
+          <p:cNvPr id="9" name="Billede 8" descr="Et billede, der indeholder tekst, nummer/tal, dokument, menu&#10;&#10;AI-genereret indhold kan være ukorrekt.">
+            <a:extLst>
+              <a:ext uri="{FF2B5EF4-FFF2-40B4-BE49-F238E27FC236}">
+                <a16:creationId xmlns:a16="http://schemas.microsoft.com/office/drawing/2014/main" id="{6AD5A303-A626-29E5-3771-2AE4A9C417F9}"/>
+              </a:ext>
+            </a:extLst>
+          </p:cNvPr>
+          <p:cNvPicPr>
+            <a:picLocks noChangeAspect="1"/>
+          </p:cNvPicPr>
+          <p:nvPr/>
+        </p:nvPicPr>
+        <p:blipFill>
+          <a:blip r:embed="rId3"/>
+          <a:stretch>
+            <a:fillRect/>
+          </a:stretch>
+        </p:blipFill>
+        <p:spPr>
+          <a:xfrm>
+            <a:off x="7073152" y="3429000"/>
+            <a:ext cx="4440565" cy="3103317"/>
+          </a:xfrm>
+          <a:prstGeom prst="rect">
+            <a:avLst/>
+          </a:prstGeom>
+        </p:spPr>
+      </p:pic>
+    </p:spTree>
+    <p:extLst>
+      <p:ext uri="{BB962C8B-B14F-4D97-AF65-F5344CB8AC3E}">
+        <p14:creationId xmlns:p14="http://schemas.microsoft.com/office/powerpoint/2010/main" val="3817463570"/>
+      </p:ext>
+    </p:extLst>
+  </p:cSld>
+  <p:clrMapOvr>
+    <a:masterClrMapping/>
+  </p:clrMapOvr>
+</p:sld>
+</file>
+
+<file path=ppt/slides/slide13.xml><?xml version="1.0" encoding="utf-8"?>
 <p:sld xmlns:a="http://schemas.openxmlformats.org/drawingml/2006/main" xmlns:r="http://schemas.openxmlformats.org/officeDocument/2006/relationships" xmlns:p="http://schemas.openxmlformats.org/presentationml/2006/main">
   <p:cSld>
     <p:spTree>
@@ -4526,7 +4669,7 @@
         <p:spPr>
           <a:xfrm>
             <a:off x="6776768" y="954537"/>
-            <a:ext cx="5012064" cy="2031325"/>
+            <a:ext cx="5012064" cy="3139321"/>
           </a:xfrm>
           <a:prstGeom prst="rect">
             <a:avLst/>
@@ -4573,6 +4716,16 @@
             <a:r>
               <a:rPr lang="da-DK"/>
               <a:t>Tilføj en variabel – bincr – som incrementer interceptet med et passende trin og test om det forbedrer modellen</a:t>
+            </a:r>
+          </a:p>
+          <a:p>
+            <a:pPr marL="342900" indent="-342900">
+              <a:buFont typeface="+mj-lt"/>
+              <a:buAutoNum type="arabicPeriod"/>
+            </a:pPr>
+            <a:r>
+              <a:rPr lang="da-DK"/>
+              <a:t>Jeg har en lidt klodset måde at lave de to normaliserede vektorer. Put det i chatten og få dens bud på hvordan det kan laves med dplyr og skift min kode ud med chattens</a:t>
             </a:r>
           </a:p>
         </p:txBody>
@@ -5388,82 +5541,6 @@
           <a:chExt cx="0" cy="0"/>
         </a:xfrm>
       </p:grpSpPr>
-      <p:sp>
-        <p:nvSpPr>
-          <p:cNvPr id="2" name="Tekstfelt 1">
-            <a:extLst>
-              <a:ext uri="{FF2B5EF4-FFF2-40B4-BE49-F238E27FC236}">
-                <a16:creationId xmlns:a16="http://schemas.microsoft.com/office/drawing/2014/main" id="{151090F7-A70A-4382-7793-064825B1FFB1}"/>
-              </a:ext>
-            </a:extLst>
-          </p:cNvPr>
-          <p:cNvSpPr txBox="1"/>
-          <p:nvPr/>
-        </p:nvSpPr>
-        <p:spPr>
-          <a:xfrm>
-            <a:off x="3371034" y="511877"/>
-            <a:ext cx="3995646" cy="1477328"/>
-          </a:xfrm>
-          <a:prstGeom prst="rect">
-            <a:avLst/>
-          </a:prstGeom>
-          <a:noFill/>
-        </p:spPr>
-        <p:txBody>
-          <a:bodyPr wrap="none" rtlCol="0">
-            <a:spAutoFit/>
-          </a:bodyPr>
-          <a:lstStyle/>
-          <a:p>
-            <a:pPr marL="342900" indent="-342900">
-              <a:buFont typeface="+mj-lt"/>
-              <a:buAutoNum type="arabicPeriod"/>
-            </a:pPr>
-            <a:r>
-              <a:rPr lang="da-DK"/>
-              <a:t>Problemstilling – Teenpregnancy i DK</a:t>
-            </a:r>
-          </a:p>
-          <a:p>
-            <a:pPr marL="800100" lvl="1" indent="-342900">
-              <a:buFont typeface="+mj-lt"/>
-              <a:buAutoNum type="arabicPeriod"/>
-            </a:pPr>
-            <a:r>
-              <a:rPr lang="da-DK"/>
-              <a:t>Find tabellen via get_table</a:t>
-            </a:r>
-          </a:p>
-          <a:p>
-            <a:pPr marL="800100" lvl="1" indent="-342900">
-              <a:buFont typeface="+mj-lt"/>
-              <a:buAutoNum type="arabicPeriod"/>
-            </a:pPr>
-            <a:r>
-              <a:rPr lang="da-DK"/>
-              <a:t>Hent relevante data fra DST</a:t>
-            </a:r>
-          </a:p>
-          <a:p>
-            <a:pPr marL="800100" lvl="1" indent="-342900">
-              <a:buFont typeface="+mj-lt"/>
-              <a:buAutoNum type="arabicPeriod"/>
-            </a:pPr>
-            <a:r>
-              <a:rPr lang="da-DK"/>
-              <a:t>Analyser</a:t>
-            </a:r>
-          </a:p>
-          <a:p>
-            <a:pPr marL="800100" lvl="1" indent="-342900">
-              <a:buFont typeface="+mj-lt"/>
-              <a:buAutoNum type="arabicPeriod"/>
-            </a:pPr>
-            <a:endParaRPr lang="da-DK"/>
-          </a:p>
-        </p:txBody>
-      </p:sp>
       <p:pic>
         <p:nvPicPr>
           <p:cNvPr id="7" name="Picture 2" descr="GitHub Logo and symbol, meaning, history, PNG, brand">
@@ -5570,7 +5647,7 @@
         </p:nvSpPr>
         <p:spPr>
           <a:xfrm>
-            <a:off x="763759" y="2711956"/>
+            <a:off x="817665" y="2402674"/>
             <a:ext cx="6098058" cy="3139321"/>
           </a:xfrm>
           <a:prstGeom prst="rect">
@@ -5809,6 +5886,48 @@
               </a:solidFill>
               <a:latin typeface="-apple-system"/>
             </a:endParaRPr>
+          </a:p>
+        </p:txBody>
+      </p:sp>
+      <p:sp>
+        <p:nvSpPr>
+          <p:cNvPr id="5" name="Tekstfelt 4">
+            <a:extLst>
+              <a:ext uri="{FF2B5EF4-FFF2-40B4-BE49-F238E27FC236}">
+                <a16:creationId xmlns:a16="http://schemas.microsoft.com/office/drawing/2014/main" id="{7F874F9A-0EEC-999D-3FAC-6A1E51AEDC3E}"/>
+              </a:ext>
+            </a:extLst>
+          </p:cNvPr>
+          <p:cNvSpPr txBox="1"/>
+          <p:nvPr/>
+        </p:nvSpPr>
+        <p:spPr>
+          <a:xfrm>
+            <a:off x="817665" y="1688861"/>
+            <a:ext cx="1933543" cy="584775"/>
+          </a:xfrm>
+          <a:prstGeom prst="rect">
+            <a:avLst/>
+          </a:prstGeom>
+          <a:noFill/>
+        </p:spPr>
+        <p:txBody>
+          <a:bodyPr wrap="none" rtlCol="0">
+            <a:spAutoFit/>
+          </a:bodyPr>
+          <a:lstStyle/>
+          <a:p>
+            <a:r>
+              <a:rPr lang="da-DK" sz="3200">
+                <a:solidFill>
+                  <a:schemeClr val="accent2">
+                    <a:lumMod val="60000"/>
+                    <a:lumOff val="40000"/>
+                  </a:schemeClr>
+                </a:solidFill>
+              </a:rPr>
+              <a:t>Opskriften</a:t>
+            </a:r>
           </a:p>
         </p:txBody>
       </p:sp>
@@ -6014,7 +6133,7 @@
             </a:pPr>
             <a:r>
               <a:rPr lang="da-DK"/>
-              <a:t>De steder hvor der filtreres eller aggregeres skal ændres til dplyr </a:t>
+              <a:t>De steder, hvor der filtreres eller aggregeres med baseR skal ændres til dplyr </a:t>
             </a:r>
           </a:p>
           <a:p>
@@ -6146,7 +6265,7 @@
             </a:pPr>
             <a:r>
               <a:rPr lang="da-DK"/>
-              <a:t>Lav filter til relevante data</a:t>
+              <a:t>Lav evt filter til relevante data</a:t>
             </a:r>
           </a:p>
           <a:p>
